--- a/GraduateRankings.pptx
+++ b/GraduateRankings.pptx
@@ -19,11 +19,11 @@
   <p:notesSz cx="6858000" cy="9144000"/>
   <p:embeddedFontLst>
     <p:embeddedFont>
-      <p:font typeface="Average" panose="02000503040000020003" pitchFamily="2" charset="77"/>
+      <p:font typeface="Average" panose="020B0604020202020204" charset="0"/>
       <p:regular r:id="rId9"/>
     </p:embeddedFont>
     <p:embeddedFont>
-      <p:font typeface="Oswald" pitchFamily="2" charset="77"/>
+      <p:font typeface="Oswald" panose="020B0604020202020204" charset="0"/>
       <p:regular r:id="rId10"/>
       <p:bold r:id="rId11"/>
     </p:embeddedFont>
@@ -6034,15 +6034,15 @@
             </a:pPr>
             <a:r>
               <a:rPr lang="en" dirty="0"/>
-              <a:t>Diane </a:t>
+              <a:t>Diane Scherpereel, Gabriel </a:t>
             </a:r>
             <a:r>
-              <a:rPr lang="en" dirty="0" err="1"/>
-              <a:t>Scherpereel</a:t>
+              <a:rPr lang="en-US" dirty="0"/>
+              <a:t>de Souza Franco</a:t>
             </a:r>
             <a:r>
               <a:rPr lang="en" dirty="0"/>
-              <a:t>, Gabriel, Roger J. </a:t>
+              <a:t>, Roger J. </a:t>
             </a:r>
             <a:r>
               <a:rPr lang="en" dirty="0" err="1"/>

--- a/GraduateRankings.pptx
+++ b/GraduateRankings.pptx
@@ -13,7 +13,7 @@
     <p:sldId id="258" r:id="rId4"/>
     <p:sldId id="259" r:id="rId5"/>
     <p:sldId id="260" r:id="rId6"/>
-    <p:sldId id="264" r:id="rId7"/>
+    <p:sldId id="261" r:id="rId7"/>
   </p:sldIdLst>
   <p:sldSz cx="9144000" cy="5143500" type="screen16x9"/>
   <p:notesSz cx="6858000" cy="9144000"/>
@@ -1332,6 +1332,135 @@
 </p:notes>
 </file>
 
+<file path=ppt/notesSlides/notesSlide6.xml><?xml version="1.0" encoding="utf-8"?>
+<p:notes xmlns:a="http://schemas.openxmlformats.org/drawingml/2006/main" xmlns:r="http://schemas.openxmlformats.org/officeDocument/2006/relationships" xmlns:p="http://schemas.openxmlformats.org/presentationml/2006/main" showMasterSp="0" showMasterPhAnim="0">
+  <p:cSld>
+    <p:spTree>
+      <p:nvGrpSpPr>
+        <p:cNvPr id="1" name="Shape 61"/>
+        <p:cNvGrpSpPr/>
+        <p:nvPr/>
+      </p:nvGrpSpPr>
+      <p:grpSpPr>
+        <a:xfrm>
+          <a:off x="0" y="0"/>
+          <a:ext cx="0" cy="0"/>
+          <a:chOff x="0" y="0"/>
+          <a:chExt cx="0" cy="0"/>
+        </a:xfrm>
+      </p:grpSpPr>
+      <p:sp>
+        <p:nvSpPr>
+          <p:cNvPr id="62" name="Google Shape;62;gc6f980f91_0_5:notes"/>
+          <p:cNvSpPr>
+            <a:spLocks noGrp="1" noRot="1" noChangeAspect="1"/>
+          </p:cNvSpPr>
+          <p:nvPr>
+            <p:ph type="sldImg" idx="2"/>
+          </p:nvPr>
+        </p:nvSpPr>
+        <p:spPr>
+          <a:xfrm>
+            <a:off x="381000" y="685800"/>
+            <a:ext cx="6096000" cy="3429000"/>
+          </a:xfrm>
+          <a:custGeom>
+            <a:avLst/>
+            <a:gdLst/>
+            <a:ahLst/>
+            <a:cxnLst/>
+            <a:rect l="l" t="t" r="r" b="b"/>
+            <a:pathLst>
+              <a:path w="120000" h="120000" extrusionOk="0">
+                <a:moveTo>
+                  <a:pt x="0" y="0"/>
+                </a:moveTo>
+                <a:lnTo>
+                  <a:pt x="120000" y="0"/>
+                </a:lnTo>
+                <a:lnTo>
+                  <a:pt x="120000" y="120000"/>
+                </a:lnTo>
+                <a:lnTo>
+                  <a:pt x="0" y="120000"/>
+                </a:lnTo>
+                <a:close/>
+              </a:path>
+            </a:pathLst>
+          </a:custGeom>
+        </p:spPr>
+      </p:sp>
+      <p:sp>
+        <p:nvSpPr>
+          <p:cNvPr id="63" name="Google Shape;63;gc6f980f91_0_5:notes"/>
+          <p:cNvSpPr txBox="1">
+            <a:spLocks noGrp="1"/>
+          </p:cNvSpPr>
+          <p:nvPr>
+            <p:ph type="body" idx="1"/>
+          </p:nvPr>
+        </p:nvSpPr>
+        <p:spPr>
+          <a:xfrm>
+            <a:off x="685800" y="4343400"/>
+            <a:ext cx="5486400" cy="4114800"/>
+          </a:xfrm>
+          <a:prstGeom prst="rect">
+            <a:avLst/>
+          </a:prstGeom>
+        </p:spPr>
+        <p:txBody>
+          <a:bodyPr spcFirstLastPara="1" wrap="square" lIns="91425" tIns="91425" rIns="91425" bIns="91425" anchor="t" anchorCtr="0">
+            <a:noAutofit/>
+          </a:bodyPr>
+          <a:lstStyle/>
+          <a:p>
+            <a:pPr marL="0" lvl="0" indent="0" algn="l" rtl="0">
+              <a:spcBef>
+                <a:spcPts val="0"/>
+              </a:spcBef>
+              <a:spcAft>
+                <a:spcPts val="0"/>
+              </a:spcAft>
+              <a:buNone/>
+            </a:pPr>
+            <a:r>
+              <a:rPr lang="en"/>
+              <a:t>News was a major motivation</a:t>
+            </a:r>
+            <a:endParaRPr/>
+          </a:p>
+          <a:p>
+            <a:pPr marL="0" lvl="0" indent="0" algn="l" rtl="0">
+              <a:spcBef>
+                <a:spcPts val="0"/>
+              </a:spcBef>
+              <a:spcAft>
+                <a:spcPts val="0"/>
+              </a:spcAft>
+              <a:buNone/>
+            </a:pPr>
+            <a:r>
+              <a:rPr lang="en"/>
+              <a:t>Read the null</a:t>
+            </a:r>
+            <a:endParaRPr/>
+          </a:p>
+        </p:txBody>
+      </p:sp>
+    </p:spTree>
+    <p:extLst>
+      <p:ext uri="{BB962C8B-B14F-4D97-AF65-F5344CB8AC3E}">
+        <p14:creationId xmlns:p14="http://schemas.microsoft.com/office/powerpoint/2010/main" val="2131134050"/>
+      </p:ext>
+    </p:extLst>
+  </p:cSld>
+  <p:clrMapOvr>
+    <a:masterClrMapping/>
+  </p:clrMapOvr>
+</p:notes>
+</file>
+
 <file path=ppt/slideLayouts/slideLayout1.xml><?xml version="1.0" encoding="utf-8"?>
 <p:sldLayout xmlns:a="http://schemas.openxmlformats.org/drawingml/2006/main" xmlns:r="http://schemas.openxmlformats.org/officeDocument/2006/relationships" xmlns:p="http://schemas.openxmlformats.org/presentationml/2006/main" matchingName="Title slide" type="title">
   <p:cSld name="TITLE">
@@ -1857,239 +1986,6 @@
 </file>
 
 <file path=ppt/slideLayouts/slideLayout2.xml><?xml version="1.0" encoding="utf-8"?>
-<p:sldLayout xmlns:a="http://schemas.openxmlformats.org/drawingml/2006/main" xmlns:r="http://schemas.openxmlformats.org/officeDocument/2006/relationships" xmlns:p="http://schemas.openxmlformats.org/presentationml/2006/main" matchingName="Section header" type="secHead">
-  <p:cSld name="SECTION_HEADER">
-    <p:spTree>
-      <p:nvGrpSpPr>
-        <p:cNvPr id="1" name="Shape 17"/>
-        <p:cNvGrpSpPr/>
-        <p:nvPr/>
-      </p:nvGrpSpPr>
-      <p:grpSpPr>
-        <a:xfrm>
-          <a:off x="0" y="0"/>
-          <a:ext cx="0" cy="0"/>
-          <a:chOff x="0" y="0"/>
-          <a:chExt cx="0" cy="0"/>
-        </a:xfrm>
-      </p:grpSpPr>
-      <p:sp>
-        <p:nvSpPr>
-          <p:cNvPr id="18" name="Google Shape;18;p3"/>
-          <p:cNvSpPr txBox="1">
-            <a:spLocks noGrp="1"/>
-          </p:cNvSpPr>
-          <p:nvPr>
-            <p:ph type="title"/>
-          </p:nvPr>
-        </p:nvSpPr>
-        <p:spPr>
-          <a:xfrm>
-            <a:off x="671250" y="2141250"/>
-            <a:ext cx="7852200" cy="861000"/>
-          </a:xfrm>
-          <a:prstGeom prst="rect">
-            <a:avLst/>
-          </a:prstGeom>
-        </p:spPr>
-        <p:txBody>
-          <a:bodyPr spcFirstLastPara="1" wrap="square" lIns="91425" tIns="91425" rIns="91425" bIns="91425" anchor="ctr" anchorCtr="0">
-            <a:noAutofit/>
-          </a:bodyPr>
-          <a:lstStyle>
-            <a:lvl1pPr lvl="0" algn="ctr">
-              <a:spcBef>
-                <a:spcPts val="0"/>
-              </a:spcBef>
-              <a:spcAft>
-                <a:spcPts val="0"/>
-              </a:spcAft>
-              <a:buSzPts val="3600"/>
-              <a:buNone/>
-              <a:defRPr sz="3600"/>
-            </a:lvl1pPr>
-            <a:lvl2pPr lvl="1" algn="ctr">
-              <a:spcBef>
-                <a:spcPts val="0"/>
-              </a:spcBef>
-              <a:spcAft>
-                <a:spcPts val="0"/>
-              </a:spcAft>
-              <a:buSzPts val="3600"/>
-              <a:buNone/>
-              <a:defRPr sz="3600"/>
-            </a:lvl2pPr>
-            <a:lvl3pPr lvl="2" algn="ctr">
-              <a:spcBef>
-                <a:spcPts val="0"/>
-              </a:spcBef>
-              <a:spcAft>
-                <a:spcPts val="0"/>
-              </a:spcAft>
-              <a:buSzPts val="3600"/>
-              <a:buNone/>
-              <a:defRPr sz="3600"/>
-            </a:lvl3pPr>
-            <a:lvl4pPr lvl="3" algn="ctr">
-              <a:spcBef>
-                <a:spcPts val="0"/>
-              </a:spcBef>
-              <a:spcAft>
-                <a:spcPts val="0"/>
-              </a:spcAft>
-              <a:buSzPts val="3600"/>
-              <a:buNone/>
-              <a:defRPr sz="3600"/>
-            </a:lvl4pPr>
-            <a:lvl5pPr lvl="4" algn="ctr">
-              <a:spcBef>
-                <a:spcPts val="0"/>
-              </a:spcBef>
-              <a:spcAft>
-                <a:spcPts val="0"/>
-              </a:spcAft>
-              <a:buSzPts val="3600"/>
-              <a:buNone/>
-              <a:defRPr sz="3600"/>
-            </a:lvl5pPr>
-            <a:lvl6pPr lvl="5" algn="ctr">
-              <a:spcBef>
-                <a:spcPts val="0"/>
-              </a:spcBef>
-              <a:spcAft>
-                <a:spcPts val="0"/>
-              </a:spcAft>
-              <a:buSzPts val="3600"/>
-              <a:buNone/>
-              <a:defRPr sz="3600"/>
-            </a:lvl6pPr>
-            <a:lvl7pPr lvl="6" algn="ctr">
-              <a:spcBef>
-                <a:spcPts val="0"/>
-              </a:spcBef>
-              <a:spcAft>
-                <a:spcPts val="0"/>
-              </a:spcAft>
-              <a:buSzPts val="3600"/>
-              <a:buNone/>
-              <a:defRPr sz="3600"/>
-            </a:lvl7pPr>
-            <a:lvl8pPr lvl="7" algn="ctr">
-              <a:spcBef>
-                <a:spcPts val="0"/>
-              </a:spcBef>
-              <a:spcAft>
-                <a:spcPts val="0"/>
-              </a:spcAft>
-              <a:buSzPts val="3600"/>
-              <a:buNone/>
-              <a:defRPr sz="3600"/>
-            </a:lvl8pPr>
-            <a:lvl9pPr lvl="8" algn="ctr">
-              <a:spcBef>
-                <a:spcPts val="0"/>
-              </a:spcBef>
-              <a:spcAft>
-                <a:spcPts val="0"/>
-              </a:spcAft>
-              <a:buSzPts val="3600"/>
-              <a:buNone/>
-              <a:defRPr sz="3600"/>
-            </a:lvl9pPr>
-          </a:lstStyle>
-          <a:p>
-            <a:endParaRPr/>
-          </a:p>
-        </p:txBody>
-      </p:sp>
-      <p:sp>
-        <p:nvSpPr>
-          <p:cNvPr id="19" name="Google Shape;19;p3"/>
-          <p:cNvSpPr txBox="1">
-            <a:spLocks noGrp="1"/>
-          </p:cNvSpPr>
-          <p:nvPr>
-            <p:ph type="sldNum" idx="12"/>
-          </p:nvPr>
-        </p:nvSpPr>
-        <p:spPr>
-          <a:xfrm>
-            <a:off x="8490250" y="4681009"/>
-            <a:ext cx="548700" cy="393600"/>
-          </a:xfrm>
-          <a:prstGeom prst="rect">
-            <a:avLst/>
-          </a:prstGeom>
-        </p:spPr>
-        <p:txBody>
-          <a:bodyPr spcFirstLastPara="1" wrap="square" lIns="91425" tIns="91425" rIns="91425" bIns="91425" anchor="ctr" anchorCtr="0">
-            <a:noAutofit/>
-          </a:bodyPr>
-          <a:lstStyle>
-            <a:lvl1pPr lvl="0">
-              <a:buNone/>
-              <a:defRPr/>
-            </a:lvl1pPr>
-            <a:lvl2pPr lvl="1">
-              <a:buNone/>
-              <a:defRPr/>
-            </a:lvl2pPr>
-            <a:lvl3pPr lvl="2">
-              <a:buNone/>
-              <a:defRPr/>
-            </a:lvl3pPr>
-            <a:lvl4pPr lvl="3">
-              <a:buNone/>
-              <a:defRPr/>
-            </a:lvl4pPr>
-            <a:lvl5pPr lvl="4">
-              <a:buNone/>
-              <a:defRPr/>
-            </a:lvl5pPr>
-            <a:lvl6pPr lvl="5">
-              <a:buNone/>
-              <a:defRPr/>
-            </a:lvl6pPr>
-            <a:lvl7pPr lvl="6">
-              <a:buNone/>
-              <a:defRPr/>
-            </a:lvl7pPr>
-            <a:lvl8pPr lvl="7">
-              <a:buNone/>
-              <a:defRPr/>
-            </a:lvl8pPr>
-            <a:lvl9pPr lvl="8">
-              <a:buNone/>
-              <a:defRPr/>
-            </a:lvl9pPr>
-          </a:lstStyle>
-          <a:p>
-            <a:pPr marL="0" lvl="0" indent="0" algn="r" rtl="0">
-              <a:spcBef>
-                <a:spcPts val="0"/>
-              </a:spcBef>
-              <a:spcAft>
-                <a:spcPts val="0"/>
-              </a:spcAft>
-              <a:buNone/>
-            </a:pPr>
-            <a:fld id="{00000000-1234-1234-1234-123412341234}" type="slidenum">
-              <a:rPr lang="en"/>
-              <a:t>‹#›</a:t>
-            </a:fld>
-            <a:endParaRPr/>
-          </a:p>
-        </p:txBody>
-      </p:sp>
-    </p:spTree>
-  </p:cSld>
-  <p:clrMapOvr>
-    <a:masterClrMapping/>
-  </p:clrMapOvr>
-</p:sldLayout>
-</file>
-
-<file path=ppt/slideLayouts/slideLayout3.xml><?xml version="1.0" encoding="utf-8"?>
 <p:sldLayout xmlns:a="http://schemas.openxmlformats.org/drawingml/2006/main" xmlns:r="http://schemas.openxmlformats.org/officeDocument/2006/relationships" xmlns:p="http://schemas.openxmlformats.org/presentationml/2006/main" matchingName="Title and body" type="tx">
   <p:cSld name="TITLE_AND_BODY">
     <p:spTree>
@@ -2451,7 +2347,7 @@
 </p:sldLayout>
 </file>
 
-<file path=ppt/slideLayouts/slideLayout4.xml><?xml version="1.0" encoding="utf-8"?>
+<file path=ppt/slideLayouts/slideLayout3.xml><?xml version="1.0" encoding="utf-8"?>
 <p:sldLayout xmlns:a="http://schemas.openxmlformats.org/drawingml/2006/main" xmlns:r="http://schemas.openxmlformats.org/officeDocument/2006/relationships" xmlns:p="http://schemas.openxmlformats.org/presentationml/2006/main" matchingName="One column text">
   <p:cSld name="ONE_COLUMN_TEXT">
     <p:spTree>
@@ -2813,7 +2709,7 @@
 </p:sldLayout>
 </file>
 
-<file path=ppt/slideLayouts/slideLayout5.xml><?xml version="1.0" encoding="utf-8"?>
+<file path=ppt/slideLayouts/slideLayout4.xml><?xml version="1.0" encoding="utf-8"?>
 <p:sldLayout xmlns:a="http://schemas.openxmlformats.org/drawingml/2006/main" xmlns:r="http://schemas.openxmlformats.org/officeDocument/2006/relationships" xmlns:p="http://schemas.openxmlformats.org/presentationml/2006/main" matchingName="Main point">
   <p:cSld name="MAIN_POINT">
     <p:bg>
@@ -3153,7 +3049,7 @@
 </p:sldLayout>
 </file>
 
-<file path=ppt/slideLayouts/slideLayout6.xml><?xml version="1.0" encoding="utf-8"?>
+<file path=ppt/slideLayouts/slideLayout5.xml><?xml version="1.0" encoding="utf-8"?>
 <p:sldLayout xmlns:a="http://schemas.openxmlformats.org/drawingml/2006/main" xmlns:r="http://schemas.openxmlformats.org/officeDocument/2006/relationships" xmlns:p="http://schemas.openxmlformats.org/presentationml/2006/main" matchingName="Section title and description">
   <p:cSld name="SECTION_TITLE_AND_DESCRIPTION">
     <p:spTree>
@@ -3899,7 +3795,7 @@
 </p:sldLayout>
 </file>
 
-<file path=ppt/slideLayouts/slideLayout7.xml><?xml version="1.0" encoding="utf-8"?>
+<file path=ppt/slideLayouts/slideLayout6.xml><?xml version="1.0" encoding="utf-8"?>
 <p:sldLayout xmlns:a="http://schemas.openxmlformats.org/drawingml/2006/main" xmlns:r="http://schemas.openxmlformats.org/officeDocument/2006/relationships" xmlns:p="http://schemas.openxmlformats.org/presentationml/2006/main" matchingName="Caption">
   <p:cSld name="CAPTION_ONLY">
     <p:spTree>
@@ -4059,7 +3955,7 @@
 </p:sldLayout>
 </file>
 
-<file path=ppt/slideLayouts/slideLayout8.xml><?xml version="1.0" encoding="utf-8"?>
+<file path=ppt/slideLayouts/slideLayout7.xml><?xml version="1.0" encoding="utf-8"?>
 <p:sldLayout xmlns:a="http://schemas.openxmlformats.org/drawingml/2006/main" xmlns:r="http://schemas.openxmlformats.org/officeDocument/2006/relationships" xmlns:p="http://schemas.openxmlformats.org/presentationml/2006/main" matchingName="Big number">
   <p:cSld name="BIG_NUMBER">
     <p:spTree>
@@ -4423,7 +4319,7 @@
 </p:sldLayout>
 </file>
 
-<file path=ppt/slideLayouts/slideLayout9.xml><?xml version="1.0" encoding="utf-8"?>
+<file path=ppt/slideLayouts/slideLayout8.xml><?xml version="1.0" encoding="utf-8"?>
 <p:sldLayout xmlns:a="http://schemas.openxmlformats.org/drawingml/2006/main" xmlns:r="http://schemas.openxmlformats.org/officeDocument/2006/relationships" xmlns:p="http://schemas.openxmlformats.org/presentationml/2006/main" matchingName="Blank" type="blank">
   <p:cSld name="BLANK">
     <p:spTree>
@@ -5221,14 +5117,13 @@
   <p:clrMap bg1="lt1" tx1="dk1" bg2="dk2" tx2="lt2" accent1="accent1" accent2="accent2" accent3="accent3" accent4="accent4" accent5="accent5" accent6="accent6" hlink="hlink" folHlink="folHlink"/>
   <p:sldLayoutIdLst>
     <p:sldLayoutId id="2147483648" r:id="rId1"/>
-    <p:sldLayoutId id="2147483649" r:id="rId2"/>
-    <p:sldLayoutId id="2147483650" r:id="rId3"/>
-    <p:sldLayoutId id="2147483653" r:id="rId4"/>
-    <p:sldLayoutId id="2147483654" r:id="rId5"/>
-    <p:sldLayoutId id="2147483655" r:id="rId6"/>
-    <p:sldLayoutId id="2147483656" r:id="rId7"/>
-    <p:sldLayoutId id="2147483657" r:id="rId8"/>
-    <p:sldLayoutId id="2147483658" r:id="rId9"/>
+    <p:sldLayoutId id="2147483650" r:id="rId2"/>
+    <p:sldLayoutId id="2147483653" r:id="rId3"/>
+    <p:sldLayoutId id="2147483654" r:id="rId4"/>
+    <p:sldLayoutId id="2147483655" r:id="rId5"/>
+    <p:sldLayoutId id="2147483656" r:id="rId6"/>
+    <p:sldLayoutId id="2147483657" r:id="rId7"/>
+    <p:sldLayoutId id="2147483658" r:id="rId8"/>
   </p:sldLayoutIdLst>
   <p:hf sldNum="0" hdr="0" ftr="0" dt="0"/>
   <p:txStyles>
@@ -6481,7 +6376,7 @@
             </a:r>
             <a:r>
               <a:rPr lang="en-US" dirty="0"/>
-              <a:t>, HTML, CSS, </a:t>
+              <a:t>, HTML, CSS, jQuery, </a:t>
             </a:r>
             <a:r>
               <a:rPr lang="en-US" dirty="0" err="1"/>
@@ -6953,7 +6848,7 @@
   <p:cSld>
     <p:spTree>
       <p:nvGrpSpPr>
-        <p:cNvPr id="1" name=""/>
+        <p:cNvPr id="1" name="Shape 64"/>
         <p:cNvGrpSpPr/>
         <p:nvPr/>
       </p:nvGrpSpPr>
@@ -6967,35 +6862,112 @@
       </p:grpSpPr>
       <p:sp>
         <p:nvSpPr>
-          <p:cNvPr id="2" name="Title 1">
-            <a:extLst>
-              <a:ext uri="{FF2B5EF4-FFF2-40B4-BE49-F238E27FC236}">
-                <a16:creationId xmlns:a16="http://schemas.microsoft.com/office/drawing/2014/main" id="{5AE8CD99-25A4-2F41-BB41-41561A9ECA9B}"/>
-              </a:ext>
-            </a:extLst>
-          </p:cNvPr>
-          <p:cNvSpPr>
+          <p:cNvPr id="65" name="Google Shape;65;p14"/>
+          <p:cNvSpPr txBox="1">
             <a:spLocks noGrp="1"/>
           </p:cNvSpPr>
           <p:nvPr>
             <p:ph type="title"/>
           </p:nvPr>
         </p:nvSpPr>
-        <p:spPr/>
+        <p:spPr>
+          <a:xfrm>
+            <a:off x="311700" y="445025"/>
+            <a:ext cx="8520600" cy="572700"/>
+          </a:xfrm>
+          <a:prstGeom prst="rect">
+            <a:avLst/>
+          </a:prstGeom>
+        </p:spPr>
         <p:txBody>
-          <a:bodyPr/>
+          <a:bodyPr spcFirstLastPara="1" wrap="square" lIns="91425" tIns="91425" rIns="91425" bIns="91425" anchor="t" anchorCtr="0">
+            <a:noAutofit/>
+          </a:bodyPr>
           <a:lstStyle/>
           <a:p>
-            <a:endParaRPr lang="en-US"/>
+            <a:pPr marL="0" lvl="0" indent="0" algn="l" rtl="0">
+              <a:spcBef>
+                <a:spcPts val="0"/>
+              </a:spcBef>
+              <a:spcAft>
+                <a:spcPts val="0"/>
+              </a:spcAft>
+              <a:buNone/>
+            </a:pPr>
+            <a:r>
+              <a:rPr lang="en" dirty="0"/>
+              <a:t>Final Visualization</a:t>
+            </a:r>
+            <a:endParaRPr dirty="0"/>
+          </a:p>
+        </p:txBody>
+      </p:sp>
+      <p:sp>
+        <p:nvSpPr>
+          <p:cNvPr id="66" name="Google Shape;66;p14"/>
+          <p:cNvSpPr txBox="1">
+            <a:spLocks noGrp="1"/>
+          </p:cNvSpPr>
+          <p:nvPr>
+            <p:ph type="body" idx="1"/>
+          </p:nvPr>
+        </p:nvSpPr>
+        <p:spPr>
+          <a:xfrm>
+            <a:off x="204900" y="1128250"/>
+            <a:ext cx="8627400" cy="3699900"/>
+          </a:xfrm>
+          <a:prstGeom prst="rect">
+            <a:avLst/>
+          </a:prstGeom>
+        </p:spPr>
+        <p:txBody>
+          <a:bodyPr spcFirstLastPara="1" wrap="square" lIns="91425" tIns="91425" rIns="91425" bIns="91425" anchor="t" anchorCtr="0">
+            <a:noAutofit/>
+          </a:bodyPr>
+          <a:lstStyle/>
+          <a:p>
+            <a:pPr marL="0" lvl="0" indent="0">
+              <a:buNone/>
+            </a:pPr>
+            <a:r>
+              <a:rPr lang="en-US" dirty="0">
+                <a:sym typeface="Wingdings" pitchFamily="2" charset="2"/>
+              </a:rPr>
+              <a:t>  </a:t>
+            </a:r>
+            <a:r>
+              <a:rPr lang="en-US" dirty="0" err="1"/>
+              <a:t>github</a:t>
+            </a:r>
+            <a:r>
+              <a:rPr lang="en-US" dirty="0"/>
+              <a:t> page</a:t>
+            </a:r>
+          </a:p>
+          <a:p>
+            <a:pPr marL="0" lvl="0" indent="0" algn="l" rtl="0">
+              <a:spcBef>
+                <a:spcPts val="0"/>
+              </a:spcBef>
+              <a:spcAft>
+                <a:spcPts val="0"/>
+              </a:spcAft>
+              <a:buNone/>
+            </a:pPr>
+            <a:r>
+              <a:rPr lang="en-US" dirty="0"/>
+              <a:t>	</a:t>
+            </a:r>
           </a:p>
         </p:txBody>
       </p:sp>
       <p:pic>
         <p:nvPicPr>
-          <p:cNvPr id="6" name="Picture 5" descr="A close up of a map&#10;&#10;Description automatically generated">
+          <p:cNvPr id="3" name="Picture 2" descr="A close up of a map&#10;&#10;Description automatically generated">
             <a:extLst>
               <a:ext uri="{FF2B5EF4-FFF2-40B4-BE49-F238E27FC236}">
-                <a16:creationId xmlns:a16="http://schemas.microsoft.com/office/drawing/2014/main" id="{2D199D41-C6EE-D74F-8F80-C4C51926D8E6}"/>
+                <a16:creationId xmlns:a16="http://schemas.microsoft.com/office/drawing/2014/main" id="{6C6CE7FA-C631-7D42-A4DB-F2398A336A51}"/>
               </a:ext>
             </a:extLst>
           </p:cNvPr>
@@ -7005,15 +6977,15 @@
           <p:nvPr/>
         </p:nvPicPr>
         <p:blipFill>
-          <a:blip r:embed="rId2"/>
+          <a:blip r:embed="rId3"/>
           <a:stretch>
             <a:fillRect/>
           </a:stretch>
         </p:blipFill>
         <p:spPr>
           <a:xfrm>
-            <a:off x="73116" y="0"/>
-            <a:ext cx="8997768" cy="5143500"/>
+            <a:off x="73959" y="0"/>
+            <a:ext cx="8996082" cy="5143500"/>
           </a:xfrm>
           <a:prstGeom prst="rect">
             <a:avLst/>
@@ -7023,7 +6995,7 @@
     </p:spTree>
     <p:extLst>
       <p:ext uri="{BB962C8B-B14F-4D97-AF65-F5344CB8AC3E}">
-        <p14:creationId xmlns:p14="http://schemas.microsoft.com/office/powerpoint/2010/main" val="4247648469"/>
+        <p14:creationId xmlns:p14="http://schemas.microsoft.com/office/powerpoint/2010/main" val="1442531985"/>
       </p:ext>
     </p:extLst>
   </p:cSld>
